--- a/docs/songs_2024-06-23.pptx
+++ b/docs/songs_2024-06-23.pptx
@@ -5,7 +5,7 @@
     <p:sldMasterId id="2147483648" r:id="rId1"/>
   </p:sldMasterIdLst>
   <p:notesMasterIdLst>
-    <p:notesMasterId r:id="rId42"/>
+    <p:notesMasterId r:id="rId43"/>
   </p:notesMasterIdLst>
   <p:sldIdLst>
     <p:sldId id="950" r:id="rId2"/>
@@ -39,15 +39,16 @@
     <p:sldId id="1218" r:id="rId30"/>
     <p:sldId id="1219" r:id="rId31"/>
     <p:sldId id="1220" r:id="rId32"/>
-    <p:sldId id="954" r:id="rId33"/>
-    <p:sldId id="1189" r:id="rId34"/>
-    <p:sldId id="1171" r:id="rId35"/>
-    <p:sldId id="1130" r:id="rId36"/>
-    <p:sldId id="1122" r:id="rId37"/>
-    <p:sldId id="642" r:id="rId38"/>
-    <p:sldId id="607" r:id="rId39"/>
-    <p:sldId id="627" r:id="rId40"/>
-    <p:sldId id="946" r:id="rId41"/>
+    <p:sldId id="1221" r:id="rId33"/>
+    <p:sldId id="954" r:id="rId34"/>
+    <p:sldId id="1189" r:id="rId35"/>
+    <p:sldId id="1171" r:id="rId36"/>
+    <p:sldId id="1130" r:id="rId37"/>
+    <p:sldId id="1122" r:id="rId38"/>
+    <p:sldId id="642" r:id="rId39"/>
+    <p:sldId id="607" r:id="rId40"/>
+    <p:sldId id="627" r:id="rId41"/>
+    <p:sldId id="946" r:id="rId42"/>
   </p:sldIdLst>
   <p:sldSz cx="9144000" cy="6858000" type="screen4x3"/>
   <p:notesSz cx="6858000" cy="9144000"/>
@@ -182,6 +183,7 @@
             <p14:sldId id="1218"/>
             <p14:sldId id="1219"/>
             <p14:sldId id="1220"/>
+            <p14:sldId id="1221"/>
             <p14:sldId id="954"/>
             <p14:sldId id="1189"/>
             <p14:sldId id="1171"/>
@@ -295,7 +297,7 @@
           <a:p>
             <a:fld id="{C57EAEFC-A9C7-464E-BE3F-33D4DD72E122}" type="datetimeFigureOut">
               <a:rPr lang="en-GB" smtClean="0"/>
-              <a:t>17/06/2024</a:t>
+              <a:t>22/06/2024</a:t>
             </a:fld>
             <a:endParaRPr lang="en-GB"/>
           </a:p>
@@ -940,7 +942,7 @@
           <a:p>
             <a:fld id="{E79B61DE-1D46-4752-AF65-FA2C4EB0D1D0}" type="slidenum">
               <a:rPr lang="en-GB" smtClean="0"/>
-              <a:t>32</a:t>
+              <a:t>33</a:t>
             </a:fld>
             <a:endParaRPr lang="en-GB"/>
           </a:p>
@@ -1024,7 +1026,7 @@
           <a:p>
             <a:fld id="{E79B61DE-1D46-4752-AF65-FA2C4EB0D1D0}" type="slidenum">
               <a:rPr lang="en-GB" smtClean="0"/>
-              <a:t>40</a:t>
+              <a:t>41</a:t>
             </a:fld>
             <a:endParaRPr lang="en-GB"/>
           </a:p>
@@ -1225,7 +1227,7 @@
             <a:fld id="{26EA1CF3-4A15-4CBF-9A5A-6A56C368BE71}" type="datetimeFigureOut">
               <a:rPr lang="en-GB" smtClean="0"/>
               <a:pPr/>
-              <a:t>17/06/2024</a:t>
+              <a:t>22/06/2024</a:t>
             </a:fld>
             <a:endParaRPr lang="en-GB"/>
           </a:p>
@@ -1392,7 +1394,7 @@
             <a:fld id="{26EA1CF3-4A15-4CBF-9A5A-6A56C368BE71}" type="datetimeFigureOut">
               <a:rPr lang="en-GB" smtClean="0"/>
               <a:pPr/>
-              <a:t>17/06/2024</a:t>
+              <a:t>22/06/2024</a:t>
             </a:fld>
             <a:endParaRPr lang="en-GB"/>
           </a:p>
@@ -1569,7 +1571,7 @@
             <a:fld id="{26EA1CF3-4A15-4CBF-9A5A-6A56C368BE71}" type="datetimeFigureOut">
               <a:rPr lang="en-GB" smtClean="0"/>
               <a:pPr/>
-              <a:t>17/06/2024</a:t>
+              <a:t>22/06/2024</a:t>
             </a:fld>
             <a:endParaRPr lang="en-GB"/>
           </a:p>
@@ -1736,7 +1738,7 @@
             <a:fld id="{26EA1CF3-4A15-4CBF-9A5A-6A56C368BE71}" type="datetimeFigureOut">
               <a:rPr lang="en-GB" smtClean="0"/>
               <a:pPr/>
-              <a:t>17/06/2024</a:t>
+              <a:t>22/06/2024</a:t>
             </a:fld>
             <a:endParaRPr lang="en-GB"/>
           </a:p>
@@ -1979,7 +1981,7 @@
             <a:fld id="{26EA1CF3-4A15-4CBF-9A5A-6A56C368BE71}" type="datetimeFigureOut">
               <a:rPr lang="en-GB" smtClean="0"/>
               <a:pPr/>
-              <a:t>17/06/2024</a:t>
+              <a:t>22/06/2024</a:t>
             </a:fld>
             <a:endParaRPr lang="en-GB"/>
           </a:p>
@@ -2264,7 +2266,7 @@
             <a:fld id="{26EA1CF3-4A15-4CBF-9A5A-6A56C368BE71}" type="datetimeFigureOut">
               <a:rPr lang="en-GB" smtClean="0"/>
               <a:pPr/>
-              <a:t>17/06/2024</a:t>
+              <a:t>22/06/2024</a:t>
             </a:fld>
             <a:endParaRPr lang="en-GB"/>
           </a:p>
@@ -2683,7 +2685,7 @@
             <a:fld id="{26EA1CF3-4A15-4CBF-9A5A-6A56C368BE71}" type="datetimeFigureOut">
               <a:rPr lang="en-GB" smtClean="0"/>
               <a:pPr/>
-              <a:t>17/06/2024</a:t>
+              <a:t>22/06/2024</a:t>
             </a:fld>
             <a:endParaRPr lang="en-GB"/>
           </a:p>
@@ -2798,7 +2800,7 @@
             <a:fld id="{26EA1CF3-4A15-4CBF-9A5A-6A56C368BE71}" type="datetimeFigureOut">
               <a:rPr lang="en-GB" smtClean="0"/>
               <a:pPr/>
-              <a:t>17/06/2024</a:t>
+              <a:t>22/06/2024</a:t>
             </a:fld>
             <a:endParaRPr lang="en-GB"/>
           </a:p>
@@ -2890,7 +2892,7 @@
             <a:fld id="{26EA1CF3-4A15-4CBF-9A5A-6A56C368BE71}" type="datetimeFigureOut">
               <a:rPr lang="en-GB" smtClean="0"/>
               <a:pPr/>
-              <a:t>17/06/2024</a:t>
+              <a:t>22/06/2024</a:t>
             </a:fld>
             <a:endParaRPr lang="en-GB"/>
           </a:p>
@@ -3164,7 +3166,7 @@
             <a:fld id="{26EA1CF3-4A15-4CBF-9A5A-6A56C368BE71}" type="datetimeFigureOut">
               <a:rPr lang="en-GB" smtClean="0"/>
               <a:pPr/>
-              <a:t>17/06/2024</a:t>
+              <a:t>22/06/2024</a:t>
             </a:fld>
             <a:endParaRPr lang="en-GB"/>
           </a:p>
@@ -3414,7 +3416,7 @@
             <a:fld id="{26EA1CF3-4A15-4CBF-9A5A-6A56C368BE71}" type="datetimeFigureOut">
               <a:rPr lang="en-GB" smtClean="0"/>
               <a:pPr/>
-              <a:t>17/06/2024</a:t>
+              <a:t>22/06/2024</a:t>
             </a:fld>
             <a:endParaRPr lang="en-GB"/>
           </a:p>
@@ -3623,7 +3625,7 @@
             <a:fld id="{26EA1CF3-4A15-4CBF-9A5A-6A56C368BE71}" type="datetimeFigureOut">
               <a:rPr lang="en-GB" smtClean="0"/>
               <a:pPr/>
-              <a:t>17/06/2024</a:t>
+              <a:t>22/06/2024</a:t>
             </a:fld>
             <a:endParaRPr lang="en-GB"/>
           </a:p>
@@ -9056,6 +9058,172 @@
       </p:grpSpPr>
       <p:sp>
         <p:nvSpPr>
+          <p:cNvPr id="3" name="Subtitle 2"/>
+          <p:cNvSpPr>
+            <a:spLocks noGrp="1"/>
+          </p:cNvSpPr>
+          <p:nvPr>
+            <p:ph type="subTitle" idx="1"/>
+          </p:nvPr>
+        </p:nvSpPr>
+        <p:spPr>
+          <a:xfrm>
+            <a:off x="0" y="764704"/>
+            <a:ext cx="8640960" cy="6480720"/>
+          </a:xfrm>
+        </p:spPr>
+        <p:txBody>
+          <a:bodyPr>
+            <a:noAutofit/>
+          </a:bodyPr>
+          <a:lstStyle/>
+          <a:p>
+            <a:r>
+              <a:rPr lang="en-GB" sz="3600" dirty="0">
+                <a:solidFill>
+                  <a:schemeClr val="bg1"/>
+                </a:solidFill>
+              </a:rPr>
+              <a:t>When the oceans rise</a:t>
+            </a:r>
+          </a:p>
+          <a:p>
+            <a:r>
+              <a:rPr lang="en-GB" sz="3600" dirty="0">
+                <a:solidFill>
+                  <a:schemeClr val="bg1"/>
+                </a:solidFill>
+              </a:rPr>
+              <a:t>And thunders roar</a:t>
+            </a:r>
+          </a:p>
+          <a:p>
+            <a:r>
+              <a:rPr lang="en-GB" sz="3600" dirty="0">
+                <a:solidFill>
+                  <a:schemeClr val="bg1"/>
+                </a:solidFill>
+              </a:rPr>
+              <a:t>I will soar with You</a:t>
+            </a:r>
+          </a:p>
+          <a:p>
+            <a:r>
+              <a:rPr lang="en-GB" sz="3600" dirty="0">
+                <a:solidFill>
+                  <a:schemeClr val="bg1"/>
+                </a:solidFill>
+              </a:rPr>
+              <a:t>Above the storm</a:t>
+            </a:r>
+          </a:p>
+          <a:p>
+            <a:r>
+              <a:rPr lang="en-GB" sz="3600" dirty="0">
+                <a:solidFill>
+                  <a:schemeClr val="bg1"/>
+                </a:solidFill>
+              </a:rPr>
+              <a:t>Father You are King</a:t>
+            </a:r>
+          </a:p>
+          <a:p>
+            <a:r>
+              <a:rPr lang="en-GB" sz="3600" dirty="0">
+                <a:solidFill>
+                  <a:schemeClr val="bg1"/>
+                </a:solidFill>
+              </a:rPr>
+              <a:t>Over the flood</a:t>
+            </a:r>
+          </a:p>
+          <a:p>
+            <a:r>
+              <a:rPr lang="en-GB" sz="3600" dirty="0">
+                <a:solidFill>
+                  <a:schemeClr val="bg1"/>
+                </a:solidFill>
+              </a:rPr>
+              <a:t>I will be still and know</a:t>
+            </a:r>
+          </a:p>
+          <a:p>
+            <a:r>
+              <a:rPr lang="en-GB" sz="3600" dirty="0">
+                <a:solidFill>
+                  <a:schemeClr val="bg1"/>
+                </a:solidFill>
+              </a:rPr>
+              <a:t>You are God</a:t>
+            </a:r>
+          </a:p>
+        </p:txBody>
+      </p:sp>
+      <p:sp>
+        <p:nvSpPr>
+          <p:cNvPr id="4" name="TextBox 3"/>
+          <p:cNvSpPr txBox="1"/>
+          <p:nvPr/>
+        </p:nvSpPr>
+        <p:spPr>
+          <a:xfrm>
+            <a:off x="8529729" y="0"/>
+            <a:ext cx="628698" cy="461665"/>
+          </a:xfrm>
+          <a:prstGeom prst="rect">
+            <a:avLst/>
+          </a:prstGeom>
+          <a:noFill/>
+        </p:spPr>
+        <p:txBody>
+          <a:bodyPr wrap="none" rtlCol="0">
+            <a:spAutoFit/>
+          </a:bodyPr>
+          <a:lstStyle/>
+          <a:p>
+            <a:r>
+              <a:rPr lang="en-GB" sz="2400" b="1" dirty="0">
+                <a:solidFill>
+                  <a:schemeClr val="bg1"/>
+                </a:solidFill>
+              </a:rPr>
+              <a:t>1/1</a:t>
+            </a:r>
+          </a:p>
+        </p:txBody>
+      </p:sp>
+    </p:spTree>
+    <p:extLst>
+      <p:ext uri="{BB962C8B-B14F-4D97-AF65-F5344CB8AC3E}">
+        <p14:creationId xmlns:p14="http://schemas.microsoft.com/office/powerpoint/2010/main" val="3941016304"/>
+      </p:ext>
+    </p:extLst>
+  </p:cSld>
+  <p:clrMapOvr>
+    <a:masterClrMapping/>
+  </p:clrMapOvr>
+</p:sld>
+</file>
+
+<file path=ppt/slides/slide33.xml><?xml version="1.0" encoding="utf-8"?>
+<p:sld xmlns:a="http://schemas.openxmlformats.org/drawingml/2006/main" xmlns:r="http://schemas.openxmlformats.org/officeDocument/2006/relationships" xmlns:p="http://schemas.openxmlformats.org/presentationml/2006/main">
+  <p:cSld>
+    <p:spTree>
+      <p:nvGrpSpPr>
+        <p:cNvPr id="1" name=""/>
+        <p:cNvGrpSpPr/>
+        <p:nvPr/>
+      </p:nvGrpSpPr>
+      <p:grpSpPr>
+        <a:xfrm>
+          <a:off x="0" y="0"/>
+          <a:ext cx="0" cy="0"/>
+          <a:chOff x="0" y="0"/>
+          <a:chExt cx="0" cy="0"/>
+        </a:xfrm>
+      </p:grpSpPr>
+      <p:sp>
+        <p:nvSpPr>
           <p:cNvPr id="2" name="Title 1">
             <a:extLst>
               <a:ext uri="{FF2B5EF4-FFF2-40B4-BE49-F238E27FC236}">
@@ -9550,7 +9718,7 @@
 </p:sld>
 </file>
 
-<file path=ppt/slides/slide33.xml><?xml version="1.0" encoding="utf-8"?>
+<file path=ppt/slides/slide34.xml><?xml version="1.0" encoding="utf-8"?>
 <p:sld xmlns:a="http://schemas.openxmlformats.org/drawingml/2006/main" xmlns:r="http://schemas.openxmlformats.org/officeDocument/2006/relationships" xmlns:p="http://schemas.openxmlformats.org/presentationml/2006/main">
   <p:cSld>
     <p:spTree>
@@ -9662,7 +9830,7 @@
 </p:sld>
 </file>
 
-<file path=ppt/slides/slide34.xml><?xml version="1.0" encoding="utf-8"?>
+<file path=ppt/slides/slide35.xml><?xml version="1.0" encoding="utf-8"?>
 <p:sld xmlns:a="http://schemas.openxmlformats.org/drawingml/2006/main" xmlns:r="http://schemas.openxmlformats.org/officeDocument/2006/relationships" xmlns:p="http://schemas.openxmlformats.org/presentationml/2006/main">
   <p:cSld>
     <p:spTree>
@@ -9722,7 +9890,7 @@
 </p:sld>
 </file>
 
-<file path=ppt/slides/slide35.xml><?xml version="1.0" encoding="utf-8"?>
+<file path=ppt/slides/slide36.xml><?xml version="1.0" encoding="utf-8"?>
 <p:sld xmlns:a="http://schemas.openxmlformats.org/drawingml/2006/main" xmlns:r="http://schemas.openxmlformats.org/officeDocument/2006/relationships" xmlns:p="http://schemas.openxmlformats.org/presentationml/2006/main">
   <p:cSld>
     <p:spTree>
@@ -9788,7 +9956,7 @@
 </p:sld>
 </file>
 
-<file path=ppt/slides/slide36.xml><?xml version="1.0" encoding="utf-8"?>
+<file path=ppt/slides/slide37.xml><?xml version="1.0" encoding="utf-8"?>
 <p:sld xmlns:a="http://schemas.openxmlformats.org/drawingml/2006/main" xmlns:r="http://schemas.openxmlformats.org/officeDocument/2006/relationships" xmlns:p="http://schemas.openxmlformats.org/presentationml/2006/main">
   <p:cSld>
     <p:spTree>
@@ -9856,201 +10024,6 @@
 </p:sld>
 </file>
 
-<file path=ppt/slides/slide37.xml><?xml version="1.0" encoding="utf-8"?>
-<p:sld xmlns:a="http://schemas.openxmlformats.org/drawingml/2006/main" xmlns:r="http://schemas.openxmlformats.org/officeDocument/2006/relationships" xmlns:p="http://schemas.openxmlformats.org/presentationml/2006/main">
-  <p:cSld>
-    <p:spTree>
-      <p:nvGrpSpPr>
-        <p:cNvPr id="1" name=""/>
-        <p:cNvGrpSpPr/>
-        <p:nvPr/>
-      </p:nvGrpSpPr>
-      <p:grpSpPr>
-        <a:xfrm>
-          <a:off x="0" y="0"/>
-          <a:ext cx="0" cy="0"/>
-          <a:chOff x="0" y="0"/>
-          <a:chExt cx="0" cy="0"/>
-        </a:xfrm>
-      </p:grpSpPr>
-      <p:sp>
-        <p:nvSpPr>
-          <p:cNvPr id="3" name="Subtitle 2"/>
-          <p:cNvSpPr>
-            <a:spLocks noGrp="1"/>
-          </p:cNvSpPr>
-          <p:nvPr>
-            <p:ph type="subTitle" idx="1"/>
-          </p:nvPr>
-        </p:nvSpPr>
-        <p:spPr>
-          <a:xfrm>
-            <a:off x="323528" y="188640"/>
-            <a:ext cx="8640960" cy="6480720"/>
-          </a:xfrm>
-        </p:spPr>
-        <p:txBody>
-          <a:bodyPr>
-            <a:noAutofit/>
-          </a:bodyPr>
-          <a:lstStyle/>
-          <a:p>
-            <a:endParaRPr lang="en-GB" sz="6600" dirty="0">
-              <a:solidFill>
-                <a:srgbClr val="00A3E0"/>
-              </a:solidFill>
-              <a:latin typeface="akagi_probook"/>
-            </a:endParaRPr>
-          </a:p>
-          <a:p>
-            <a:r>
-              <a:rPr lang="en-GB" sz="6600" dirty="0">
-                <a:solidFill>
-                  <a:srgbClr val="00A3E0"/>
-                </a:solidFill>
-                <a:latin typeface="akagi_probook"/>
-              </a:rPr>
-              <a:t>God of This City</a:t>
-            </a:r>
-          </a:p>
-          <a:p>
-            <a:br>
-              <a:rPr lang="en-GB" sz="1200" dirty="0">
-                <a:solidFill>
-                  <a:schemeClr val="bg1"/>
-                </a:solidFill>
-              </a:rPr>
-            </a:br>
-            <a:r>
-              <a:rPr lang="en-GB" sz="1200" dirty="0">
-                <a:solidFill>
-                  <a:schemeClr val="bg1"/>
-                </a:solidFill>
-              </a:rPr>
-              <a:t>CCLI Song # 5037070</a:t>
-            </a:r>
-          </a:p>
-          <a:p>
-            <a:endParaRPr lang="en-GB" sz="1200" dirty="0">
-              <a:solidFill>
-                <a:schemeClr val="bg1"/>
-              </a:solidFill>
-            </a:endParaRPr>
-          </a:p>
-          <a:p>
-            <a:r>
-              <a:rPr lang="en-GB" sz="1200" dirty="0">
-                <a:solidFill>
-                  <a:schemeClr val="bg1"/>
-                </a:solidFill>
-              </a:rPr>
-              <a:t>Aaron Boyd | Andrew McCann | Ian Jordan | Peter Comfort | Peter </a:t>
-            </a:r>
-            <a:r>
-              <a:rPr lang="en-GB" sz="1200" dirty="0" err="1">
-                <a:solidFill>
-                  <a:schemeClr val="bg1"/>
-                </a:solidFill>
-              </a:rPr>
-              <a:t>Kernoghan</a:t>
-            </a:r>
-            <a:r>
-              <a:rPr lang="en-GB" sz="1200" dirty="0">
-                <a:solidFill>
-                  <a:schemeClr val="bg1"/>
-                </a:solidFill>
-              </a:rPr>
-              <a:t> | Richard </a:t>
-            </a:r>
-            <a:r>
-              <a:rPr lang="en-GB" sz="1200" dirty="0" err="1">
-                <a:solidFill>
-                  <a:schemeClr val="bg1"/>
-                </a:solidFill>
-              </a:rPr>
-              <a:t>Bleakley</a:t>
-            </a:r>
-            <a:endParaRPr lang="en-GB" sz="1200" dirty="0">
-              <a:solidFill>
-                <a:schemeClr val="bg1"/>
-              </a:solidFill>
-            </a:endParaRPr>
-          </a:p>
-          <a:p>
-            <a:endParaRPr lang="en-GB" sz="1200" dirty="0">
-              <a:solidFill>
-                <a:schemeClr val="bg1"/>
-              </a:solidFill>
-            </a:endParaRPr>
-          </a:p>
-          <a:p>
-            <a:r>
-              <a:rPr lang="en-GB" sz="1200" dirty="0">
-                <a:solidFill>
-                  <a:schemeClr val="bg1"/>
-                </a:solidFill>
-              </a:rPr>
-              <a:t>© 2006 Thankyou Music (Admin. by Integrity Music Ltd)</a:t>
-            </a:r>
-          </a:p>
-          <a:p>
-            <a:r>
-              <a:rPr lang="en-GB" sz="1200" dirty="0">
-                <a:solidFill>
-                  <a:schemeClr val="bg1"/>
-                </a:solidFill>
-              </a:rPr>
-              <a:t>For use solely with the </a:t>
-            </a:r>
-            <a:r>
-              <a:rPr lang="en-GB" sz="1200" dirty="0" err="1">
-                <a:solidFill>
-                  <a:schemeClr val="bg1"/>
-                </a:solidFill>
-              </a:rPr>
-              <a:t>SongSelect</a:t>
-            </a:r>
-            <a:r>
-              <a:rPr lang="en-GB" sz="1200" dirty="0">
-                <a:solidFill>
-                  <a:schemeClr val="bg1"/>
-                </a:solidFill>
-              </a:rPr>
-              <a:t>® Terms of Use. All rights reserved. www.ccli.com</a:t>
-            </a:r>
-          </a:p>
-          <a:p>
-            <a:endParaRPr lang="en-GB" sz="1200" dirty="0">
-              <a:solidFill>
-                <a:schemeClr val="bg1"/>
-              </a:solidFill>
-            </a:endParaRPr>
-          </a:p>
-          <a:p>
-            <a:r>
-              <a:rPr lang="en-GB" sz="1200" dirty="0">
-                <a:solidFill>
-                  <a:schemeClr val="bg1"/>
-                </a:solidFill>
-              </a:rPr>
-              <a:t>CCLI Licence No. 33265</a:t>
-            </a:r>
-          </a:p>
-        </p:txBody>
-      </p:sp>
-    </p:spTree>
-    <p:extLst>
-      <p:ext uri="{BB962C8B-B14F-4D97-AF65-F5344CB8AC3E}">
-        <p14:creationId xmlns:p14="http://schemas.microsoft.com/office/powerpoint/2010/main" val="3614559884"/>
-      </p:ext>
-    </p:extLst>
-  </p:cSld>
-  <p:clrMapOvr>
-    <a:masterClrMapping/>
-  </p:clrMapOvr>
-</p:sld>
-</file>
-
 <file path=ppt/slides/slide38.xml><?xml version="1.0" encoding="utf-8"?>
 <p:sld xmlns:a="http://schemas.openxmlformats.org/drawingml/2006/main" xmlns:r="http://schemas.openxmlformats.org/officeDocument/2006/relationships" xmlns:p="http://schemas.openxmlformats.org/presentationml/2006/main">
   <p:cSld>
@@ -10080,7 +10053,7 @@
         </p:nvSpPr>
         <p:spPr>
           <a:xfrm>
-            <a:off x="203118" y="692696"/>
+            <a:off x="323528" y="188640"/>
             <a:ext cx="8640960" cy="6480720"/>
           </a:xfrm>
         </p:spPr>
@@ -10090,116 +10063,145 @@
           </a:bodyPr>
           <a:lstStyle/>
           <a:p>
-            <a:r>
-              <a:rPr lang="en-GB" sz="3600" dirty="0">
-                <a:solidFill>
-                  <a:schemeClr val="bg1"/>
-                </a:solidFill>
-              </a:rPr>
-              <a:t>You're the God of this city</a:t>
-            </a:r>
-          </a:p>
-          <a:p>
-            <a:r>
-              <a:rPr lang="en-GB" sz="3600" dirty="0">
-                <a:solidFill>
-                  <a:schemeClr val="bg1"/>
-                </a:solidFill>
-              </a:rPr>
-              <a:t>You're the King of these people</a:t>
-            </a:r>
-          </a:p>
-          <a:p>
-            <a:r>
-              <a:rPr lang="en-GB" sz="3600" dirty="0">
-                <a:solidFill>
-                  <a:schemeClr val="bg1"/>
-                </a:solidFill>
-              </a:rPr>
-              <a:t>You're the Lord of this nation</a:t>
-            </a:r>
-          </a:p>
-          <a:p>
-            <a:r>
-              <a:rPr lang="en-GB" sz="3600" dirty="0">
-                <a:solidFill>
-                  <a:schemeClr val="bg1"/>
-                </a:solidFill>
-              </a:rPr>
-              <a:t>You are</a:t>
-            </a:r>
-          </a:p>
-          <a:p>
-            <a:r>
-              <a:rPr lang="en-GB" sz="3600" dirty="0">
-                <a:solidFill>
-                  <a:schemeClr val="bg1"/>
-                </a:solidFill>
-              </a:rPr>
-              <a:t>You're the light in this darkness</a:t>
-            </a:r>
-          </a:p>
-          <a:p>
-            <a:r>
-              <a:rPr lang="en-GB" sz="3600" dirty="0">
-                <a:solidFill>
-                  <a:schemeClr val="bg1"/>
-                </a:solidFill>
-              </a:rPr>
-              <a:t>You're the hope to the hopeless</a:t>
-            </a:r>
-          </a:p>
-          <a:p>
-            <a:r>
-              <a:rPr lang="en-GB" sz="3600" dirty="0">
-                <a:solidFill>
-                  <a:schemeClr val="bg1"/>
-                </a:solidFill>
-              </a:rPr>
-              <a:t>You're the peace to the restless</a:t>
-            </a:r>
-          </a:p>
-          <a:p>
-            <a:r>
-              <a:rPr lang="en-GB" sz="3600" dirty="0">
-                <a:solidFill>
-                  <a:schemeClr val="bg1"/>
-                </a:solidFill>
-              </a:rPr>
-              <a:t>You are</a:t>
-            </a:r>
-          </a:p>
-        </p:txBody>
-      </p:sp>
-      <p:sp>
-        <p:nvSpPr>
-          <p:cNvPr id="4" name="TextBox 3"/>
-          <p:cNvSpPr txBox="1"/>
-          <p:nvPr/>
-        </p:nvSpPr>
-        <p:spPr>
-          <a:xfrm>
-            <a:off x="8529729" y="0"/>
-            <a:ext cx="628698" cy="461665"/>
-          </a:xfrm>
-          <a:prstGeom prst="rect">
-            <a:avLst/>
-          </a:prstGeom>
-          <a:noFill/>
-        </p:spPr>
-        <p:txBody>
-          <a:bodyPr wrap="none" rtlCol="0">
-            <a:spAutoFit/>
-          </a:bodyPr>
-          <a:lstStyle/>
-          <a:p>
-            <a:r>
-              <a:rPr lang="en-GB" sz="2400" b="1" dirty="0">
-                <a:solidFill>
-                  <a:schemeClr val="bg1"/>
-                </a:solidFill>
-              </a:rPr>
-              <a:t>1/2</a:t>
+            <a:endParaRPr lang="en-GB" sz="6600" dirty="0">
+              <a:solidFill>
+                <a:srgbClr val="00A3E0"/>
+              </a:solidFill>
+              <a:latin typeface="akagi_probook"/>
+            </a:endParaRPr>
+          </a:p>
+          <a:p>
+            <a:r>
+              <a:rPr lang="en-GB" sz="6600" dirty="0">
+                <a:solidFill>
+                  <a:srgbClr val="00A3E0"/>
+                </a:solidFill>
+                <a:latin typeface="akagi_probook"/>
+              </a:rPr>
+              <a:t>God of This City</a:t>
+            </a:r>
+          </a:p>
+          <a:p>
+            <a:br>
+              <a:rPr lang="en-GB" sz="1200" dirty="0">
+                <a:solidFill>
+                  <a:schemeClr val="bg1"/>
+                </a:solidFill>
+              </a:rPr>
+            </a:br>
+            <a:r>
+              <a:rPr lang="en-GB" sz="1200" dirty="0">
+                <a:solidFill>
+                  <a:schemeClr val="bg1"/>
+                </a:solidFill>
+              </a:rPr>
+              <a:t>CCLI Song # 5037070</a:t>
+            </a:r>
+          </a:p>
+          <a:p>
+            <a:endParaRPr lang="en-GB" sz="1200" dirty="0">
+              <a:solidFill>
+                <a:schemeClr val="bg1"/>
+              </a:solidFill>
+            </a:endParaRPr>
+          </a:p>
+          <a:p>
+            <a:r>
+              <a:rPr lang="en-GB" sz="1200" dirty="0">
+                <a:solidFill>
+                  <a:schemeClr val="bg1"/>
+                </a:solidFill>
+              </a:rPr>
+              <a:t>Aaron Boyd | Andrew McCann | Ian Jordan | Peter Comfort | Peter </a:t>
+            </a:r>
+            <a:r>
+              <a:rPr lang="en-GB" sz="1200" dirty="0" err="1">
+                <a:solidFill>
+                  <a:schemeClr val="bg1"/>
+                </a:solidFill>
+              </a:rPr>
+              <a:t>Kernoghan</a:t>
+            </a:r>
+            <a:r>
+              <a:rPr lang="en-GB" sz="1200" dirty="0">
+                <a:solidFill>
+                  <a:schemeClr val="bg1"/>
+                </a:solidFill>
+              </a:rPr>
+              <a:t> | Richard </a:t>
+            </a:r>
+            <a:r>
+              <a:rPr lang="en-GB" sz="1200" dirty="0" err="1">
+                <a:solidFill>
+                  <a:schemeClr val="bg1"/>
+                </a:solidFill>
+              </a:rPr>
+              <a:t>Bleakley</a:t>
+            </a:r>
+            <a:endParaRPr lang="en-GB" sz="1200" dirty="0">
+              <a:solidFill>
+                <a:schemeClr val="bg1"/>
+              </a:solidFill>
+            </a:endParaRPr>
+          </a:p>
+          <a:p>
+            <a:endParaRPr lang="en-GB" sz="1200" dirty="0">
+              <a:solidFill>
+                <a:schemeClr val="bg1"/>
+              </a:solidFill>
+            </a:endParaRPr>
+          </a:p>
+          <a:p>
+            <a:r>
+              <a:rPr lang="en-GB" sz="1200" dirty="0">
+                <a:solidFill>
+                  <a:schemeClr val="bg1"/>
+                </a:solidFill>
+              </a:rPr>
+              <a:t>© 2006 Thankyou Music (Admin. by Integrity Music Ltd)</a:t>
+            </a:r>
+          </a:p>
+          <a:p>
+            <a:r>
+              <a:rPr lang="en-GB" sz="1200" dirty="0">
+                <a:solidFill>
+                  <a:schemeClr val="bg1"/>
+                </a:solidFill>
+              </a:rPr>
+              <a:t>For use solely with the </a:t>
+            </a:r>
+            <a:r>
+              <a:rPr lang="en-GB" sz="1200" dirty="0" err="1">
+                <a:solidFill>
+                  <a:schemeClr val="bg1"/>
+                </a:solidFill>
+              </a:rPr>
+              <a:t>SongSelect</a:t>
+            </a:r>
+            <a:r>
+              <a:rPr lang="en-GB" sz="1200" dirty="0">
+                <a:solidFill>
+                  <a:schemeClr val="bg1"/>
+                </a:solidFill>
+              </a:rPr>
+              <a:t>® Terms of Use. All rights reserved. www.ccli.com</a:t>
+            </a:r>
+          </a:p>
+          <a:p>
+            <a:endParaRPr lang="en-GB" sz="1200" dirty="0">
+              <a:solidFill>
+                <a:schemeClr val="bg1"/>
+              </a:solidFill>
+            </a:endParaRPr>
+          </a:p>
+          <a:p>
+            <a:r>
+              <a:rPr lang="en-GB" sz="1200" dirty="0">
+                <a:solidFill>
+                  <a:schemeClr val="bg1"/>
+                </a:solidFill>
+              </a:rPr>
+              <a:t>CCLI Licence No. 33265</a:t>
             </a:r>
           </a:p>
         </p:txBody>
@@ -10207,7 +10209,7 @@
     </p:spTree>
     <p:extLst>
       <p:ext uri="{BB962C8B-B14F-4D97-AF65-F5344CB8AC3E}">
-        <p14:creationId xmlns:p14="http://schemas.microsoft.com/office/powerpoint/2010/main" val="856293209"/>
+        <p14:creationId xmlns:p14="http://schemas.microsoft.com/office/powerpoint/2010/main" val="3614559884"/>
       </p:ext>
     </p:extLst>
   </p:cSld>
@@ -10246,7 +10248,7 @@
         </p:nvSpPr>
         <p:spPr>
           <a:xfrm>
-            <a:off x="323528" y="692696"/>
+            <a:off x="203118" y="692696"/>
             <a:ext cx="8640960" cy="6480720"/>
           </a:xfrm>
         </p:spPr>
@@ -10262,7 +10264,7 @@
                   <a:schemeClr val="bg1"/>
                 </a:solidFill>
               </a:rPr>
-              <a:t>There is no one like our God</a:t>
+              <a:t>You're the God of this city</a:t>
             </a:r>
           </a:p>
           <a:p>
@@ -10272,15 +10274,8 @@
                   <a:schemeClr val="bg1"/>
                 </a:solidFill>
               </a:rPr>
-              <a:t>There is no one like You God</a:t>
-            </a:r>
-          </a:p>
-          <a:p>
-            <a:endParaRPr lang="en-GB" sz="3600" dirty="0">
-              <a:solidFill>
-                <a:schemeClr val="bg1"/>
-              </a:solidFill>
-            </a:endParaRPr>
+              <a:t>You're the King of these people</a:t>
+            </a:r>
           </a:p>
           <a:p>
             <a:r>
@@ -10289,7 +10284,7 @@
                   <a:schemeClr val="bg1"/>
                 </a:solidFill>
               </a:rPr>
-              <a:t>Greater things have yet to come</a:t>
+              <a:t>You're the Lord of this nation</a:t>
             </a:r>
           </a:p>
           <a:p>
@@ -10299,7 +10294,7 @@
                   <a:schemeClr val="bg1"/>
                 </a:solidFill>
               </a:rPr>
-              <a:t>And greater things have still to be done</a:t>
+              <a:t>You are</a:t>
             </a:r>
           </a:p>
           <a:p>
@@ -10309,7 +10304,7 @@
                   <a:schemeClr val="bg1"/>
                 </a:solidFill>
               </a:rPr>
-              <a:t>In this city</a:t>
+              <a:t>You're the light in this darkness</a:t>
             </a:r>
           </a:p>
           <a:p>
@@ -10319,7 +10314,7 @@
                   <a:schemeClr val="bg1"/>
                 </a:solidFill>
               </a:rPr>
-              <a:t>Greater things have yet to come</a:t>
+              <a:t>You're the hope to the hopeless</a:t>
             </a:r>
           </a:p>
           <a:p>
@@ -10329,7 +10324,17 @@
                   <a:schemeClr val="bg1"/>
                 </a:solidFill>
               </a:rPr>
-              <a:t>And greater things have still to be done here</a:t>
+              <a:t>You're the peace to the restless</a:t>
+            </a:r>
+          </a:p>
+          <a:p>
+            <a:r>
+              <a:rPr lang="en-GB" sz="3600" dirty="0">
+                <a:solidFill>
+                  <a:schemeClr val="bg1"/>
+                </a:solidFill>
+              </a:rPr>
+              <a:t>You are</a:t>
             </a:r>
           </a:p>
         </p:txBody>
@@ -10362,7 +10367,7 @@
                   <a:schemeClr val="bg1"/>
                 </a:solidFill>
               </a:rPr>
-              <a:t>2/2</a:t>
+              <a:t>1/2</a:t>
             </a:r>
           </a:p>
         </p:txBody>
@@ -10370,7 +10375,7 @@
     </p:spTree>
     <p:extLst>
       <p:ext uri="{BB962C8B-B14F-4D97-AF65-F5344CB8AC3E}">
-        <p14:creationId xmlns:p14="http://schemas.microsoft.com/office/powerpoint/2010/main" val="45561885"/>
+        <p14:creationId xmlns:p14="http://schemas.microsoft.com/office/powerpoint/2010/main" val="856293209"/>
       </p:ext>
     </p:extLst>
   </p:cSld>
@@ -10563,6 +10568,169 @@
 </file>
 
 <file path=ppt/slides/slide40.xml><?xml version="1.0" encoding="utf-8"?>
+<p:sld xmlns:a="http://schemas.openxmlformats.org/drawingml/2006/main" xmlns:r="http://schemas.openxmlformats.org/officeDocument/2006/relationships" xmlns:p="http://schemas.openxmlformats.org/presentationml/2006/main">
+  <p:cSld>
+    <p:spTree>
+      <p:nvGrpSpPr>
+        <p:cNvPr id="1" name=""/>
+        <p:cNvGrpSpPr/>
+        <p:nvPr/>
+      </p:nvGrpSpPr>
+      <p:grpSpPr>
+        <a:xfrm>
+          <a:off x="0" y="0"/>
+          <a:ext cx="0" cy="0"/>
+          <a:chOff x="0" y="0"/>
+          <a:chExt cx="0" cy="0"/>
+        </a:xfrm>
+      </p:grpSpPr>
+      <p:sp>
+        <p:nvSpPr>
+          <p:cNvPr id="3" name="Subtitle 2"/>
+          <p:cNvSpPr>
+            <a:spLocks noGrp="1"/>
+          </p:cNvSpPr>
+          <p:nvPr>
+            <p:ph type="subTitle" idx="1"/>
+          </p:nvPr>
+        </p:nvSpPr>
+        <p:spPr>
+          <a:xfrm>
+            <a:off x="323528" y="692696"/>
+            <a:ext cx="8640960" cy="6480720"/>
+          </a:xfrm>
+        </p:spPr>
+        <p:txBody>
+          <a:bodyPr>
+            <a:noAutofit/>
+          </a:bodyPr>
+          <a:lstStyle/>
+          <a:p>
+            <a:r>
+              <a:rPr lang="en-GB" sz="3600" dirty="0">
+                <a:solidFill>
+                  <a:schemeClr val="bg1"/>
+                </a:solidFill>
+              </a:rPr>
+              <a:t>There is no one like our God</a:t>
+            </a:r>
+          </a:p>
+          <a:p>
+            <a:r>
+              <a:rPr lang="en-GB" sz="3600" dirty="0">
+                <a:solidFill>
+                  <a:schemeClr val="bg1"/>
+                </a:solidFill>
+              </a:rPr>
+              <a:t>There is no one like You God</a:t>
+            </a:r>
+          </a:p>
+          <a:p>
+            <a:endParaRPr lang="en-GB" sz="3600" dirty="0">
+              <a:solidFill>
+                <a:schemeClr val="bg1"/>
+              </a:solidFill>
+            </a:endParaRPr>
+          </a:p>
+          <a:p>
+            <a:r>
+              <a:rPr lang="en-GB" sz="3600" dirty="0">
+                <a:solidFill>
+                  <a:schemeClr val="bg1"/>
+                </a:solidFill>
+              </a:rPr>
+              <a:t>Greater things have yet to come</a:t>
+            </a:r>
+          </a:p>
+          <a:p>
+            <a:r>
+              <a:rPr lang="en-GB" sz="3600" dirty="0">
+                <a:solidFill>
+                  <a:schemeClr val="bg1"/>
+                </a:solidFill>
+              </a:rPr>
+              <a:t>And greater things have still to be done</a:t>
+            </a:r>
+          </a:p>
+          <a:p>
+            <a:r>
+              <a:rPr lang="en-GB" sz="3600" dirty="0">
+                <a:solidFill>
+                  <a:schemeClr val="bg1"/>
+                </a:solidFill>
+              </a:rPr>
+              <a:t>In this city</a:t>
+            </a:r>
+          </a:p>
+          <a:p>
+            <a:r>
+              <a:rPr lang="en-GB" sz="3600" dirty="0">
+                <a:solidFill>
+                  <a:schemeClr val="bg1"/>
+                </a:solidFill>
+              </a:rPr>
+              <a:t>Greater things have yet to come</a:t>
+            </a:r>
+          </a:p>
+          <a:p>
+            <a:r>
+              <a:rPr lang="en-GB" sz="3600" dirty="0">
+                <a:solidFill>
+                  <a:schemeClr val="bg1"/>
+                </a:solidFill>
+              </a:rPr>
+              <a:t>And greater things have still to be done here</a:t>
+            </a:r>
+          </a:p>
+        </p:txBody>
+      </p:sp>
+      <p:sp>
+        <p:nvSpPr>
+          <p:cNvPr id="4" name="TextBox 3"/>
+          <p:cNvSpPr txBox="1"/>
+          <p:nvPr/>
+        </p:nvSpPr>
+        <p:spPr>
+          <a:xfrm>
+            <a:off x="8529729" y="0"/>
+            <a:ext cx="628698" cy="461665"/>
+          </a:xfrm>
+          <a:prstGeom prst="rect">
+            <a:avLst/>
+          </a:prstGeom>
+          <a:noFill/>
+        </p:spPr>
+        <p:txBody>
+          <a:bodyPr wrap="none" rtlCol="0">
+            <a:spAutoFit/>
+          </a:bodyPr>
+          <a:lstStyle/>
+          <a:p>
+            <a:r>
+              <a:rPr lang="en-GB" sz="2400" b="1" dirty="0">
+                <a:solidFill>
+                  <a:schemeClr val="bg1"/>
+                </a:solidFill>
+              </a:rPr>
+              <a:t>2/2</a:t>
+            </a:r>
+          </a:p>
+        </p:txBody>
+      </p:sp>
+    </p:spTree>
+    <p:extLst>
+      <p:ext uri="{BB962C8B-B14F-4D97-AF65-F5344CB8AC3E}">
+        <p14:creationId xmlns:p14="http://schemas.microsoft.com/office/powerpoint/2010/main" val="45561885"/>
+      </p:ext>
+    </p:extLst>
+  </p:cSld>
+  <p:clrMapOvr>
+    <a:masterClrMapping/>
+  </p:clrMapOvr>
+</p:sld>
+</file>
+
+<file path=ppt/slides/slide41.xml><?xml version="1.0" encoding="utf-8"?>
 <p:sld xmlns:a="http://schemas.openxmlformats.org/drawingml/2006/main" xmlns:r="http://schemas.openxmlformats.org/officeDocument/2006/relationships" xmlns:p="http://schemas.openxmlformats.org/presentationml/2006/main">
   <p:cSld>
     <p:spTree>
